--- a/presentation/systemready.pptx
+++ b/presentation/systemready.pptx
@@ -234,7 +234,7 @@
           <a:p>
             <a:fld id="{4185F7F1-F889-4D74-942F-624A1581BF5E}" type="datetimeFigureOut">
               <a:rPr lang="de-DE" smtClean="0"/>
-              <a:t>16.08.18</a:t>
+              <a:t>17.08.18</a:t>
             </a:fld>
             <a:endParaRPr lang="de-DE"/>
           </a:p>
@@ -400,7 +400,7 @@
           <a:p>
             <a:fld id="{423D778C-8326-4DC4-A87C-A2C1FCEE3308}" type="datetimeFigureOut">
               <a:rPr lang="de-DE" smtClean="0"/>
-              <a:t>16.08.18</a:t>
+              <a:t>17.08.18</a:t>
             </a:fld>
             <a:endParaRPr lang="de-DE"/>
           </a:p>
@@ -5310,12 +5310,6 @@
           <a:p>
             <a:r>
               <a:rPr lang="en-US" sz="2000" dirty="0"/>
-              <a:t>Moves logic to OSGi + HTTP</a:t>
-            </a:r>
-          </a:p>
-          <a:p>
-            <a:r>
-              <a:rPr lang="en-US" sz="2000" dirty="0"/>
               <a:t>49KB OSGi bundle in Felix, framework-agnostic, very little dependencies</a:t>
             </a:r>
           </a:p>
@@ -6112,10 +6106,10 @@
         </p:nvGrpSpPr>
         <p:grpSpPr>
           <a:xfrm>
-            <a:off x="683568" y="1374556"/>
-            <a:ext cx="5827665" cy="1588563"/>
-            <a:chOff x="973478" y="1416824"/>
-            <a:chExt cx="5827665" cy="1588563"/>
+            <a:off x="683568" y="1374555"/>
+            <a:ext cx="5929179" cy="1588564"/>
+            <a:chOff x="973478" y="1416823"/>
+            <a:chExt cx="5929179" cy="1588564"/>
           </a:xfrm>
         </p:grpSpPr>
         <p:sp>
@@ -6132,7 +6126,7 @@
           </p:nvSpPr>
           <p:spPr>
             <a:xfrm>
-              <a:off x="2843808" y="1707654"/>
+              <a:off x="2843808" y="1677914"/>
               <a:ext cx="1368152" cy="720080"/>
             </a:xfrm>
             <a:prstGeom prst="flowChartAlternateProcess">
@@ -6305,7 +6299,7 @@
           </p:nvSpPr>
           <p:spPr>
             <a:xfrm>
-              <a:off x="1428277" y="1563638"/>
+              <a:off x="1428277" y="1533898"/>
               <a:ext cx="1008112" cy="1008112"/>
             </a:xfrm>
             <a:prstGeom prst="rect">
@@ -6596,8 +6590,8 @@
           </p:nvSpPr>
           <p:spPr>
             <a:xfrm>
-              <a:off x="4712911" y="1416824"/>
-              <a:ext cx="576064" cy="576064"/>
+              <a:off x="4712911" y="1416823"/>
+              <a:ext cx="655478" cy="632681"/>
             </a:xfrm>
             <a:prstGeom prst="rect">
               <a:avLst/>
@@ -6650,8 +6644,8 @@
           </p:nvSpPr>
           <p:spPr>
             <a:xfrm>
-              <a:off x="4718152" y="2194749"/>
-              <a:ext cx="576064" cy="576064"/>
+              <a:off x="4718151" y="2194748"/>
+              <a:ext cx="663201" cy="621111"/>
             </a:xfrm>
             <a:prstGeom prst="rect">
               <a:avLst/>
@@ -6685,7 +6679,7 @@
               <a:pPr algn="ctr"/>
               <a:r>
                 <a:rPr lang="en-US" sz="1000" dirty="0"/>
-                <a:t>Ready Servlet</a:t>
+                <a:t>Alive Servlet</a:t>
               </a:r>
             </a:p>
           </p:txBody>
@@ -6707,12 +6701,15 @@
           </p:nvCxnSpPr>
           <p:spPr>
             <a:xfrm>
-              <a:off x="2436389" y="2067694"/>
+              <a:off x="2436389" y="2037954"/>
               <a:ext cx="407419" cy="12700"/>
             </a:xfrm>
             <a:prstGeom prst="bentConnector3">
               <a:avLst/>
             </a:prstGeom>
+            <a:ln w="12700">
+              <a:round/>
+            </a:ln>
           </p:spPr>
           <p:style>
             <a:lnRef idx="1">
@@ -6746,12 +6743,13 @@
           </p:nvCxnSpPr>
           <p:spPr>
             <a:xfrm rot="10800000" flipV="1">
-              <a:off x="4211961" y="1704855"/>
-              <a:ext cx="500951" cy="194089"/>
+              <a:off x="4211965" y="1733164"/>
+              <a:ext cx="500947" cy="165780"/>
             </a:xfrm>
             <a:prstGeom prst="bentConnector3">
               <a:avLst/>
             </a:prstGeom>
+            <a:ln w="12700"/>
           </p:spPr>
           <p:style>
             <a:lnRef idx="1">
@@ -6778,18 +6776,20 @@
               </a:extLst>
             </p:cNvPr>
             <p:cNvCxnSpPr>
+              <a:cxnSpLocks/>
               <a:stCxn id="19" idx="1"/>
             </p:cNvCxnSpPr>
             <p:nvPr/>
           </p:nvCxnSpPr>
           <p:spPr>
             <a:xfrm rot="10800000">
-              <a:off x="4211960" y="2194749"/>
-              <a:ext cx="506192" cy="288032"/>
+              <a:off x="4211963" y="2194752"/>
+              <a:ext cx="506189" cy="310553"/>
             </a:xfrm>
             <a:prstGeom prst="bentConnector3">
               <a:avLst/>
             </a:prstGeom>
+            <a:ln w="12700"/>
           </p:spPr>
           <p:style>
             <a:lnRef idx="1">
@@ -6816,14 +6816,16 @@
               </a:extLst>
             </p:cNvPr>
             <p:cNvCxnSpPr>
+              <a:cxnSpLocks/>
               <a:stCxn id="18" idx="3"/>
+              <a:endCxn id="39" idx="1"/>
             </p:cNvCxnSpPr>
             <p:nvPr/>
           </p:nvCxnSpPr>
           <p:spPr>
-            <a:xfrm flipV="1">
-              <a:off x="5288975" y="1704854"/>
-              <a:ext cx="360040" cy="2"/>
+            <a:xfrm>
+              <a:off x="5368389" y="1733164"/>
+              <a:ext cx="316630" cy="4708"/>
             </a:xfrm>
             <a:prstGeom prst="straightConnector1">
               <a:avLst/>
@@ -6900,8 +6902,8 @@
           </p:nvSpPr>
           <p:spPr>
             <a:xfrm>
-              <a:off x="5685019" y="1520188"/>
-              <a:ext cx="1116124" cy="430887"/>
+              <a:off x="5685019" y="1437790"/>
+              <a:ext cx="1217638" cy="600164"/>
             </a:xfrm>
             <a:prstGeom prst="rect">
               <a:avLst/>
@@ -6913,6 +6915,35 @@
               <a:spAutoFit/>
             </a:bodyPr>
             <a:lstStyle/>
+            <a:p>
+              <a:r>
+                <a:rPr lang="en-US" sz="1100" dirty="0">
+                  <a:solidFill>
+                    <a:schemeClr val="bg1"/>
+                  </a:solidFill>
+                  <a:latin typeface="Courier New" panose="02070309020205020404" pitchFamily="49" charset="0"/>
+                  <a:cs typeface="Courier New" panose="02070309020205020404" pitchFamily="49" charset="0"/>
+                </a:rPr>
+                <a:t>/</a:t>
+              </a:r>
+              <a:r>
+                <a:rPr lang="en-US" sz="1100" dirty="0" err="1">
+                  <a:solidFill>
+                    <a:schemeClr val="bg1"/>
+                  </a:solidFill>
+                  <a:latin typeface="Courier New" panose="02070309020205020404" pitchFamily="49" charset="0"/>
+                  <a:cs typeface="Courier New" panose="02070309020205020404" pitchFamily="49" charset="0"/>
+                </a:rPr>
+                <a:t>systemready</a:t>
+              </a:r>
+              <a:endParaRPr lang="en-US" sz="1100" dirty="0">
+                <a:solidFill>
+                  <a:schemeClr val="bg1"/>
+                </a:solidFill>
+                <a:latin typeface="Courier New" panose="02070309020205020404" pitchFamily="49" charset="0"/>
+                <a:cs typeface="Courier New" panose="02070309020205020404" pitchFamily="49" charset="0"/>
+              </a:endParaRPr>
+            </a:p>
             <a:p>
               <a:r>
                 <a:rPr lang="en-US" sz="1100" dirty="0">
@@ -6957,8 +6988,8 @@
           </p:nvSpPr>
           <p:spPr>
             <a:xfrm>
-              <a:off x="5685019" y="2258277"/>
-              <a:ext cx="1116124" cy="430887"/>
+              <a:off x="5685019" y="2181970"/>
+              <a:ext cx="1217638" cy="600164"/>
             </a:xfrm>
             <a:prstGeom prst="rect">
               <a:avLst/>
@@ -6970,6 +7001,35 @@
               <a:spAutoFit/>
             </a:bodyPr>
             <a:lstStyle/>
+            <a:p>
+              <a:r>
+                <a:rPr lang="en-US" sz="1100" dirty="0">
+                  <a:solidFill>
+                    <a:schemeClr val="bg1"/>
+                  </a:solidFill>
+                  <a:latin typeface="Courier New" panose="02070309020205020404" pitchFamily="49" charset="0"/>
+                  <a:cs typeface="Courier New" panose="02070309020205020404" pitchFamily="49" charset="0"/>
+                </a:rPr>
+                <a:t>/</a:t>
+              </a:r>
+              <a:r>
+                <a:rPr lang="en-US" sz="1100" dirty="0" err="1">
+                  <a:solidFill>
+                    <a:schemeClr val="bg1"/>
+                  </a:solidFill>
+                  <a:latin typeface="Courier New" panose="02070309020205020404" pitchFamily="49" charset="0"/>
+                  <a:cs typeface="Courier New" panose="02070309020205020404" pitchFamily="49" charset="0"/>
+                </a:rPr>
+                <a:t>systemalive</a:t>
+              </a:r>
+              <a:endParaRPr lang="en-US" sz="1100" dirty="0">
+                <a:solidFill>
+                  <a:schemeClr val="bg1"/>
+                </a:solidFill>
+                <a:latin typeface="Courier New" panose="02070309020205020404" pitchFamily="49" charset="0"/>
+                <a:cs typeface="Courier New" panose="02070309020205020404" pitchFamily="49" charset="0"/>
+              </a:endParaRPr>
+            </a:p>
             <a:p>
               <a:r>
                 <a:rPr lang="en-US" sz="1100" dirty="0">
@@ -7360,6 +7420,72 @@
           </p:txBody>
         </p:sp>
       </p:grpSp>
+      <p:pic>
+        <p:nvPicPr>
+          <p:cNvPr id="10" name="Picture 9">
+            <a:extLst>
+              <a:ext uri="{FF2B5EF4-FFF2-40B4-BE49-F238E27FC236}">
+                <a16:creationId xmlns:a16="http://schemas.microsoft.com/office/drawing/2014/main" id="{9AD68C29-659C-D842-B766-AF8C4FC5A035}"/>
+              </a:ext>
+            </a:extLst>
+          </p:cNvPr>
+          <p:cNvPicPr>
+            <a:picLocks noChangeAspect="1"/>
+          </p:cNvPicPr>
+          <p:nvPr/>
+        </p:nvPicPr>
+        <p:blipFill>
+          <a:blip r:embed="rId5"/>
+          <a:stretch>
+            <a:fillRect/>
+          </a:stretch>
+        </p:blipFill>
+        <p:spPr>
+          <a:xfrm>
+            <a:off x="4427984" y="2537072"/>
+            <a:ext cx="266700" cy="266700"/>
+          </a:xfrm>
+          <a:prstGeom prst="rect">
+            <a:avLst/>
+          </a:prstGeom>
+        </p:spPr>
+      </p:pic>
+      <p:pic>
+        <p:nvPicPr>
+          <p:cNvPr id="38" name="Picture 37">
+            <a:extLst>
+              <a:ext uri="{FF2B5EF4-FFF2-40B4-BE49-F238E27FC236}">
+                <a16:creationId xmlns:a16="http://schemas.microsoft.com/office/drawing/2014/main" id="{18116DA8-9076-A94B-96A7-89085C495AE2}"/>
+              </a:ext>
+            </a:extLst>
+          </p:cNvPr>
+          <p:cNvPicPr>
+            <a:picLocks noChangeAspect="1"/>
+          </p:cNvPicPr>
+          <p:nvPr/>
+        </p:nvPicPr>
+        <p:blipFill>
+          <a:blip r:embed="rId4">
+            <a:extLst>
+              <a:ext uri="{28A0092B-C50C-407E-A947-70E740481C1C}">
+                <a14:useLocalDpi xmlns:a14="http://schemas.microsoft.com/office/drawing/2010/main" val="0"/>
+              </a:ext>
+            </a:extLst>
+          </a:blip>
+          <a:stretch>
+            <a:fillRect/>
+          </a:stretch>
+        </p:blipFill>
+        <p:spPr>
+          <a:xfrm>
+            <a:off x="4392522" y="1779662"/>
+            <a:ext cx="250427" cy="250427"/>
+          </a:xfrm>
+          <a:prstGeom prst="rect">
+            <a:avLst/>
+          </a:prstGeom>
+        </p:spPr>
+      </p:pic>
     </p:spTree>
     <p:extLst>
       <p:ext uri="{BB962C8B-B14F-4D97-AF65-F5344CB8AC3E}">

--- a/presentation/systemready.pptx
+++ b/presentation/systemready.pptx
@@ -7420,72 +7420,6 @@
           </p:txBody>
         </p:sp>
       </p:grpSp>
-      <p:pic>
-        <p:nvPicPr>
-          <p:cNvPr id="10" name="Picture 9">
-            <a:extLst>
-              <a:ext uri="{FF2B5EF4-FFF2-40B4-BE49-F238E27FC236}">
-                <a16:creationId xmlns:a16="http://schemas.microsoft.com/office/drawing/2014/main" id="{9AD68C29-659C-D842-B766-AF8C4FC5A035}"/>
-              </a:ext>
-            </a:extLst>
-          </p:cNvPr>
-          <p:cNvPicPr>
-            <a:picLocks noChangeAspect="1"/>
-          </p:cNvPicPr>
-          <p:nvPr/>
-        </p:nvPicPr>
-        <p:blipFill>
-          <a:blip r:embed="rId5"/>
-          <a:stretch>
-            <a:fillRect/>
-          </a:stretch>
-        </p:blipFill>
-        <p:spPr>
-          <a:xfrm>
-            <a:off x="4427984" y="2537072"/>
-            <a:ext cx="266700" cy="266700"/>
-          </a:xfrm>
-          <a:prstGeom prst="rect">
-            <a:avLst/>
-          </a:prstGeom>
-        </p:spPr>
-      </p:pic>
-      <p:pic>
-        <p:nvPicPr>
-          <p:cNvPr id="38" name="Picture 37">
-            <a:extLst>
-              <a:ext uri="{FF2B5EF4-FFF2-40B4-BE49-F238E27FC236}">
-                <a16:creationId xmlns:a16="http://schemas.microsoft.com/office/drawing/2014/main" id="{18116DA8-9076-A94B-96A7-89085C495AE2}"/>
-              </a:ext>
-            </a:extLst>
-          </p:cNvPr>
-          <p:cNvPicPr>
-            <a:picLocks noChangeAspect="1"/>
-          </p:cNvPicPr>
-          <p:nvPr/>
-        </p:nvPicPr>
-        <p:blipFill>
-          <a:blip r:embed="rId4">
-            <a:extLst>
-              <a:ext uri="{28A0092B-C50C-407E-A947-70E740481C1C}">
-                <a14:useLocalDpi xmlns:a14="http://schemas.microsoft.com/office/drawing/2010/main" val="0"/>
-              </a:ext>
-            </a:extLst>
-          </a:blip>
-          <a:stretch>
-            <a:fillRect/>
-          </a:stretch>
-        </p:blipFill>
-        <p:spPr>
-          <a:xfrm>
-            <a:off x="4392522" y="1779662"/>
-            <a:ext cx="250427" cy="250427"/>
-          </a:xfrm>
-          <a:prstGeom prst="rect">
-            <a:avLst/>
-          </a:prstGeom>
-        </p:spPr>
-      </p:pic>
     </p:spTree>
     <p:extLst>
       <p:ext uri="{BB962C8B-B14F-4D97-AF65-F5344CB8AC3E}">
